--- a/docs/diagrams/SetPasswordSequenceDiagram.pptx
+++ b/docs/diagrams/SetPasswordSequenceDiagram.pptx
@@ -6108,7 +6108,7 @@
                   <a:srgbClr val="7030A0"/>
                 </a:solidFill>
               </a:rPr>
-              <a:t>oldPassword</a:t>
+              <a:t>newPassword</a:t>
             </a:r>
             <a:r>
               <a:rPr lang="en-US" sz="1200" dirty="0">
@@ -6123,10 +6123,97 @@
       </p:sp>
       <p:sp>
         <p:nvSpPr>
-          <p:cNvPr id="67" name="TextBox 66">
+          <p:cNvPr id="70" name="Rectangle 69">
             <a:extLst>
               <a:ext uri="{FF2B5EF4-FFF2-40B4-BE49-F238E27FC236}">
-                <a16:creationId xmlns:a16="http://schemas.microsoft.com/office/drawing/2014/main" id="{CFEF6595-93D1-4983-B94E-8736FFEC6907}"/>
+                <a16:creationId xmlns:a16="http://schemas.microsoft.com/office/drawing/2014/main" id="{7C73A32B-9117-4274-816E-1FC3502997EB}"/>
+              </a:ext>
+            </a:extLst>
+          </p:cNvPr>
+          <p:cNvSpPr/>
+          <p:nvPr/>
+        </p:nvSpPr>
+        <p:spPr>
+          <a:xfrm>
+            <a:off x="5267235" y="5010527"/>
+            <a:ext cx="4701469" cy="575785"/>
+          </a:xfrm>
+          <a:prstGeom prst="rect">
+            <a:avLst/>
+          </a:prstGeom>
+          <a:noFill/>
+          <a:ln w="19050">
+            <a:solidFill>
+              <a:srgbClr val="FF0000"/>
+            </a:solidFill>
+          </a:ln>
+        </p:spPr>
+        <p:style>
+          <a:lnRef idx="2">
+            <a:schemeClr val="accent1">
+              <a:shade val="50000"/>
+            </a:schemeClr>
+          </a:lnRef>
+          <a:fillRef idx="1">
+            <a:schemeClr val="accent1"/>
+          </a:fillRef>
+          <a:effectRef idx="0">
+            <a:schemeClr val="accent1"/>
+          </a:effectRef>
+          <a:fontRef idx="minor">
+            <a:schemeClr val="lt1"/>
+          </a:fontRef>
+        </p:style>
+        <p:txBody>
+          <a:bodyPr rot="0" spcFirstLastPara="0" vertOverflow="overflow" horzOverflow="overflow" vert="horz" wrap="square" lIns="91440" tIns="45720" rIns="91440" bIns="45720" numCol="1" spcCol="0" rtlCol="0" fromWordArt="0" anchor="ctr" anchorCtr="0" forceAA="0" compatLnSpc="1">
+            <a:prstTxWarp prst="textNoShape">
+              <a:avLst/>
+            </a:prstTxWarp>
+            <a:noAutofit/>
+          </a:bodyPr>
+          <a:lstStyle/>
+          <a:p>
+            <a:pPr algn="ctr"/>
+            <a:endParaRPr lang="en-US"/>
+          </a:p>
+        </p:txBody>
+      </p:sp>
+      <p:pic>
+        <p:nvPicPr>
+          <p:cNvPr id="72" name="Picture 71">
+            <a:extLst>
+              <a:ext uri="{FF2B5EF4-FFF2-40B4-BE49-F238E27FC236}">
+                <a16:creationId xmlns:a16="http://schemas.microsoft.com/office/drawing/2014/main" id="{D54CCF49-A7A4-486A-B3E3-1B4D349FD7C0}"/>
+              </a:ext>
+            </a:extLst>
+          </p:cNvPr>
+          <p:cNvPicPr>
+            <a:picLocks noChangeAspect="1"/>
+          </p:cNvPicPr>
+          <p:nvPr/>
+        </p:nvPicPr>
+        <p:blipFill>
+          <a:blip r:embed="rId2"/>
+          <a:stretch>
+            <a:fillRect/>
+          </a:stretch>
+        </p:blipFill>
+        <p:spPr>
+          <a:xfrm>
+            <a:off x="5223840" y="4965145"/>
+            <a:ext cx="365828" cy="322558"/>
+          </a:xfrm>
+          <a:prstGeom prst="rect">
+            <a:avLst/>
+          </a:prstGeom>
+        </p:spPr>
+      </p:pic>
+      <p:sp>
+        <p:nvSpPr>
+          <p:cNvPr id="74" name="TextBox 73">
+            <a:extLst>
+              <a:ext uri="{FF2B5EF4-FFF2-40B4-BE49-F238E27FC236}">
+                <a16:creationId xmlns:a16="http://schemas.microsoft.com/office/drawing/2014/main" id="{840E79E8-6753-4F4E-9EC1-4344859F002C}"/>
               </a:ext>
             </a:extLst>
           </p:cNvPr>
@@ -6135,8 +6222,8 @@
         </p:nvSpPr>
         <p:spPr>
           <a:xfrm>
-            <a:off x="6328344" y="5307268"/>
-            <a:ext cx="2021143" cy="184666"/>
+            <a:off x="5210504" y="5242320"/>
+            <a:ext cx="1334257" cy="261610"/>
           </a:xfrm>
           <a:prstGeom prst="rect">
             <a:avLst/>
@@ -6144,35 +6231,35 @@
           <a:noFill/>
         </p:spPr>
         <p:txBody>
-          <a:bodyPr wrap="square" lIns="0" tIns="0" rIns="0" bIns="0" rtlCol="0">
+          <a:bodyPr wrap="square" rtlCol="0">
             <a:spAutoFit/>
           </a:bodyPr>
-          <a:lstStyle>
-            <a:defPPr>
-              <a:defRPr lang="en-US"/>
-            </a:defPPr>
-            <a:lvl1pPr algn="r">
-              <a:defRPr sz="1400">
+          <a:lstStyle/>
+          <a:p>
+            <a:r>
+              <a:rPr lang="en-US" sz="1100" dirty="0">
                 <a:solidFill>
-                  <a:srgbClr val="0070C0"/>
+                  <a:srgbClr val="FF0000"/>
                 </a:solidFill>
-              </a:defRPr>
-            </a:lvl1pPr>
-          </a:lstStyle>
-          <a:p>
-            <a:r>
-              <a:rPr lang="en-US" sz="1200" dirty="0" err="1">
+              </a:rPr>
+              <a:t>[</a:t>
+            </a:r>
+            <a:r>
+              <a:rPr lang="en-US" sz="1100" dirty="0" err="1">
                 <a:solidFill>
-                  <a:srgbClr val="7030A0"/>
+                  <a:srgbClr val="FF0000"/>
                 </a:solidFill>
               </a:rPr>
               <a:t>isMatchPassword</a:t>
             </a:r>
-            <a:endParaRPr lang="en-US" sz="1200" dirty="0">
-              <a:solidFill>
-                <a:srgbClr val="7030A0"/>
-              </a:solidFill>
-            </a:endParaRPr>
+            <a:r>
+              <a:rPr lang="en-US" sz="1100" dirty="0">
+                <a:solidFill>
+                  <a:srgbClr val="FF0000"/>
+                </a:solidFill>
+              </a:rPr>
+              <a:t>]</a:t>
+            </a:r>
           </a:p>
         </p:txBody>
       </p:sp>

--- a/docs/diagrams/SetPasswordSequenceDiagram.pptx
+++ b/docs/diagrams/SetPasswordSequenceDiagram.pptx
@@ -208,7 +208,7 @@
           <a:p>
             <a:fld id="{F5CC4B3F-88C1-4FFA-B1B6-F41C21DC6924}" type="datetimeFigureOut">
               <a:rPr lang="en-US" smtClean="0"/>
-              <a:t>10/24/2018</a:t>
+              <a:t>11-Nov-18</a:t>
             </a:fld>
             <a:endParaRPr lang="en-US"/>
           </a:p>
@@ -654,7 +654,7 @@
           <a:p>
             <a:fld id="{78C97017-6FC3-485B-9764-EAC9E56C1D49}" type="datetimeFigureOut">
               <a:rPr lang="en-US" smtClean="0"/>
-              <a:t>10/24/2018</a:t>
+              <a:t>11-Nov-18</a:t>
             </a:fld>
             <a:endParaRPr lang="en-US"/>
           </a:p>
@@ -822,7 +822,7 @@
           <a:p>
             <a:fld id="{78C97017-6FC3-485B-9764-EAC9E56C1D49}" type="datetimeFigureOut">
               <a:rPr lang="en-US" smtClean="0"/>
-              <a:t>10/24/2018</a:t>
+              <a:t>11-Nov-18</a:t>
             </a:fld>
             <a:endParaRPr lang="en-US"/>
           </a:p>
@@ -1000,7 +1000,7 @@
           <a:p>
             <a:fld id="{78C97017-6FC3-485B-9764-EAC9E56C1D49}" type="datetimeFigureOut">
               <a:rPr lang="en-US" smtClean="0"/>
-              <a:t>10/24/2018</a:t>
+              <a:t>11-Nov-18</a:t>
             </a:fld>
             <a:endParaRPr lang="en-US"/>
           </a:p>
@@ -1168,7 +1168,7 @@
           <a:p>
             <a:fld id="{78C97017-6FC3-485B-9764-EAC9E56C1D49}" type="datetimeFigureOut">
               <a:rPr lang="en-US" smtClean="0"/>
-              <a:t>10/24/2018</a:t>
+              <a:t>11-Nov-18</a:t>
             </a:fld>
             <a:endParaRPr lang="en-US"/>
           </a:p>
@@ -1413,7 +1413,7 @@
           <a:p>
             <a:fld id="{78C97017-6FC3-485B-9764-EAC9E56C1D49}" type="datetimeFigureOut">
               <a:rPr lang="en-US" smtClean="0"/>
-              <a:t>10/24/2018</a:t>
+              <a:t>11-Nov-18</a:t>
             </a:fld>
             <a:endParaRPr lang="en-US"/>
           </a:p>
@@ -1698,7 +1698,7 @@
           <a:p>
             <a:fld id="{78C97017-6FC3-485B-9764-EAC9E56C1D49}" type="datetimeFigureOut">
               <a:rPr lang="en-US" smtClean="0"/>
-              <a:t>10/24/2018</a:t>
+              <a:t>11-Nov-18</a:t>
             </a:fld>
             <a:endParaRPr lang="en-US"/>
           </a:p>
@@ -2117,7 +2117,7 @@
           <a:p>
             <a:fld id="{78C97017-6FC3-485B-9764-EAC9E56C1D49}" type="datetimeFigureOut">
               <a:rPr lang="en-US" smtClean="0"/>
-              <a:t>10/24/2018</a:t>
+              <a:t>11-Nov-18</a:t>
             </a:fld>
             <a:endParaRPr lang="en-US"/>
           </a:p>
@@ -2234,7 +2234,7 @@
           <a:p>
             <a:fld id="{78C97017-6FC3-485B-9764-EAC9E56C1D49}" type="datetimeFigureOut">
               <a:rPr lang="en-US" smtClean="0"/>
-              <a:t>10/24/2018</a:t>
+              <a:t>11-Nov-18</a:t>
             </a:fld>
             <a:endParaRPr lang="en-US"/>
           </a:p>
@@ -2329,7 +2329,7 @@
           <a:p>
             <a:fld id="{78C97017-6FC3-485B-9764-EAC9E56C1D49}" type="datetimeFigureOut">
               <a:rPr lang="en-US" smtClean="0"/>
-              <a:t>10/24/2018</a:t>
+              <a:t>11-Nov-18</a:t>
             </a:fld>
             <a:endParaRPr lang="en-US"/>
           </a:p>
@@ -2604,7 +2604,7 @@
           <a:p>
             <a:fld id="{78C97017-6FC3-485B-9764-EAC9E56C1D49}" type="datetimeFigureOut">
               <a:rPr lang="en-US" smtClean="0"/>
-              <a:t>10/24/2018</a:t>
+              <a:t>11-Nov-18</a:t>
             </a:fld>
             <a:endParaRPr lang="en-US"/>
           </a:p>
@@ -2856,7 +2856,7 @@
           <a:p>
             <a:fld id="{78C97017-6FC3-485B-9764-EAC9E56C1D49}" type="datetimeFigureOut">
               <a:rPr lang="en-US" smtClean="0"/>
-              <a:t>10/24/2018</a:t>
+              <a:t>11-Nov-18</a:t>
             </a:fld>
             <a:endParaRPr lang="en-US"/>
           </a:p>
@@ -3067,7 +3067,7 @@
           <a:p>
             <a:fld id="{78C97017-6FC3-485B-9764-EAC9E56C1D49}" type="datetimeFigureOut">
               <a:rPr lang="en-US" smtClean="0"/>
-              <a:t>10/24/2018</a:t>
+              <a:t>11-Nov-18</a:t>
             </a:fld>
             <a:endParaRPr lang="en-US"/>
           </a:p>
@@ -3656,76 +3656,6 @@
           </a:p>
         </p:txBody>
       </p:sp>
-      <p:sp>
-        <p:nvSpPr>
-          <p:cNvPr id="16" name="Rectangle 62"/>
-          <p:cNvSpPr/>
-          <p:nvPr/>
-        </p:nvSpPr>
-        <p:spPr>
-          <a:xfrm>
-            <a:off x="2362200" y="655309"/>
-            <a:ext cx="1219200" cy="467684"/>
-          </a:xfrm>
-          <a:prstGeom prst="rect">
-            <a:avLst/>
-          </a:prstGeom>
-          <a:solidFill>
-            <a:srgbClr val="0070C0"/>
-          </a:solidFill>
-          <a:ln w="19050">
-            <a:solidFill>
-              <a:srgbClr val="0070C0"/>
-            </a:solidFill>
-          </a:ln>
-          <a:effectLst/>
-        </p:spPr>
-        <p:style>
-          <a:lnRef idx="1">
-            <a:schemeClr val="accent2"/>
-          </a:lnRef>
-          <a:fillRef idx="2">
-            <a:schemeClr val="accent2"/>
-          </a:fillRef>
-          <a:effectRef idx="1">
-            <a:schemeClr val="accent2"/>
-          </a:effectRef>
-          <a:fontRef idx="minor">
-            <a:schemeClr val="dk1"/>
-          </a:fontRef>
-        </p:style>
-        <p:txBody>
-          <a:bodyPr rtlCol="0" anchor="ctr"/>
-          <a:lstStyle/>
-          <a:p>
-            <a:pPr algn="ctr"/>
-            <a:r>
-              <a:rPr lang="en-US" sz="1600" dirty="0">
-                <a:solidFill>
-                  <a:schemeClr val="bg1"/>
-                </a:solidFill>
-              </a:rPr>
-              <a:t>:Address</a:t>
-            </a:r>
-          </a:p>
-          <a:p>
-            <a:pPr algn="ctr"/>
-            <a:r>
-              <a:rPr lang="en-US" sz="1600" dirty="0" err="1">
-                <a:solidFill>
-                  <a:schemeClr val="bg1"/>
-                </a:solidFill>
-              </a:rPr>
-              <a:t>BookParser</a:t>
-            </a:r>
-            <a:endParaRPr lang="en-SG" sz="1600" dirty="0">
-              <a:solidFill>
-                <a:schemeClr val="bg1"/>
-              </a:solidFill>
-            </a:endParaRPr>
-          </a:p>
-        </p:txBody>
-      </p:sp>
       <p:cxnSp>
         <p:nvCxnSpPr>
           <p:cNvPr id="17" name="Straight Connector 16"/>
@@ -6260,6 +6190,82 @@
               </a:rPr>
               <a:t>]</a:t>
             </a:r>
+          </a:p>
+        </p:txBody>
+      </p:sp>
+      <p:sp>
+        <p:nvSpPr>
+          <p:cNvPr id="67" name="Rectangle 62">
+            <a:extLst>
+              <a:ext uri="{FF2B5EF4-FFF2-40B4-BE49-F238E27FC236}">
+                <a16:creationId xmlns:a16="http://schemas.microsoft.com/office/drawing/2014/main" id="{1ED3C78A-FFBB-4492-B751-2E621CE11313}"/>
+              </a:ext>
+            </a:extLst>
+          </p:cNvPr>
+          <p:cNvSpPr/>
+          <p:nvPr/>
+        </p:nvSpPr>
+        <p:spPr>
+          <a:xfrm>
+            <a:off x="2286000" y="655308"/>
+            <a:ext cx="1391711" cy="487691"/>
+          </a:xfrm>
+          <a:prstGeom prst="rect">
+            <a:avLst/>
+          </a:prstGeom>
+          <a:solidFill>
+            <a:srgbClr val="0070C0"/>
+          </a:solidFill>
+          <a:ln w="19050">
+            <a:solidFill>
+              <a:srgbClr val="0070C0"/>
+            </a:solidFill>
+          </a:ln>
+          <a:effectLst/>
+        </p:spPr>
+        <p:style>
+          <a:lnRef idx="1">
+            <a:schemeClr val="accent2"/>
+          </a:lnRef>
+          <a:fillRef idx="2">
+            <a:schemeClr val="accent2"/>
+          </a:fillRef>
+          <a:effectRef idx="1">
+            <a:schemeClr val="accent2"/>
+          </a:effectRef>
+          <a:fontRef idx="minor">
+            <a:schemeClr val="dk1"/>
+          </a:fontRef>
+        </p:style>
+        <p:txBody>
+          <a:bodyPr rtlCol="0" anchor="ctr"/>
+          <a:lstStyle/>
+          <a:p>
+            <a:pPr algn="ctr"/>
+            <a:r>
+              <a:rPr lang="en-US" sz="1600" dirty="0">
+                <a:solidFill>
+                  <a:schemeClr val="bg1"/>
+                </a:solidFill>
+              </a:rPr>
+              <a:t>:Expense</a:t>
+            </a:r>
+          </a:p>
+          <a:p>
+            <a:pPr algn="ctr"/>
+            <a:r>
+              <a:rPr lang="en-US" sz="1600" dirty="0" err="1">
+                <a:solidFill>
+                  <a:schemeClr val="bg1"/>
+                </a:solidFill>
+              </a:rPr>
+              <a:t>TrackerParser</a:t>
+            </a:r>
+            <a:endParaRPr lang="en-SG" sz="1600" dirty="0">
+              <a:solidFill>
+                <a:schemeClr val="bg1"/>
+              </a:solidFill>
+            </a:endParaRPr>
           </a:p>
         </p:txBody>
       </p:sp>

--- a/docs/diagrams/SetPasswordSequenceDiagram.pptx
+++ b/docs/diagrams/SetPasswordSequenceDiagram.pptx
@@ -208,7 +208,7 @@
           <a:p>
             <a:fld id="{F5CC4B3F-88C1-4FFA-B1B6-F41C21DC6924}" type="datetimeFigureOut">
               <a:rPr lang="en-US" smtClean="0"/>
-              <a:t>10/24/2018</a:t>
+              <a:t>11/12/2018</a:t>
             </a:fld>
             <a:endParaRPr lang="en-US"/>
           </a:p>
@@ -654,7 +654,7 @@
           <a:p>
             <a:fld id="{78C97017-6FC3-485B-9764-EAC9E56C1D49}" type="datetimeFigureOut">
               <a:rPr lang="en-US" smtClean="0"/>
-              <a:t>10/24/2018</a:t>
+              <a:t>11/12/2018</a:t>
             </a:fld>
             <a:endParaRPr lang="en-US"/>
           </a:p>
@@ -822,7 +822,7 @@
           <a:p>
             <a:fld id="{78C97017-6FC3-485B-9764-EAC9E56C1D49}" type="datetimeFigureOut">
               <a:rPr lang="en-US" smtClean="0"/>
-              <a:t>10/24/2018</a:t>
+              <a:t>11/12/2018</a:t>
             </a:fld>
             <a:endParaRPr lang="en-US"/>
           </a:p>
@@ -1000,7 +1000,7 @@
           <a:p>
             <a:fld id="{78C97017-6FC3-485B-9764-EAC9E56C1D49}" type="datetimeFigureOut">
               <a:rPr lang="en-US" smtClean="0"/>
-              <a:t>10/24/2018</a:t>
+              <a:t>11/12/2018</a:t>
             </a:fld>
             <a:endParaRPr lang="en-US"/>
           </a:p>
@@ -1168,7 +1168,7 @@
           <a:p>
             <a:fld id="{78C97017-6FC3-485B-9764-EAC9E56C1D49}" type="datetimeFigureOut">
               <a:rPr lang="en-US" smtClean="0"/>
-              <a:t>10/24/2018</a:t>
+              <a:t>11/12/2018</a:t>
             </a:fld>
             <a:endParaRPr lang="en-US"/>
           </a:p>
@@ -1413,7 +1413,7 @@
           <a:p>
             <a:fld id="{78C97017-6FC3-485B-9764-EAC9E56C1D49}" type="datetimeFigureOut">
               <a:rPr lang="en-US" smtClean="0"/>
-              <a:t>10/24/2018</a:t>
+              <a:t>11/12/2018</a:t>
             </a:fld>
             <a:endParaRPr lang="en-US"/>
           </a:p>
@@ -1698,7 +1698,7 @@
           <a:p>
             <a:fld id="{78C97017-6FC3-485B-9764-EAC9E56C1D49}" type="datetimeFigureOut">
               <a:rPr lang="en-US" smtClean="0"/>
-              <a:t>10/24/2018</a:t>
+              <a:t>11/12/2018</a:t>
             </a:fld>
             <a:endParaRPr lang="en-US"/>
           </a:p>
@@ -2117,7 +2117,7 @@
           <a:p>
             <a:fld id="{78C97017-6FC3-485B-9764-EAC9E56C1D49}" type="datetimeFigureOut">
               <a:rPr lang="en-US" smtClean="0"/>
-              <a:t>10/24/2018</a:t>
+              <a:t>11/12/2018</a:t>
             </a:fld>
             <a:endParaRPr lang="en-US"/>
           </a:p>
@@ -2234,7 +2234,7 @@
           <a:p>
             <a:fld id="{78C97017-6FC3-485B-9764-EAC9E56C1D49}" type="datetimeFigureOut">
               <a:rPr lang="en-US" smtClean="0"/>
-              <a:t>10/24/2018</a:t>
+              <a:t>11/12/2018</a:t>
             </a:fld>
             <a:endParaRPr lang="en-US"/>
           </a:p>
@@ -2329,7 +2329,7 @@
           <a:p>
             <a:fld id="{78C97017-6FC3-485B-9764-EAC9E56C1D49}" type="datetimeFigureOut">
               <a:rPr lang="en-US" smtClean="0"/>
-              <a:t>10/24/2018</a:t>
+              <a:t>11/12/2018</a:t>
             </a:fld>
             <a:endParaRPr lang="en-US"/>
           </a:p>
@@ -2604,7 +2604,7 @@
           <a:p>
             <a:fld id="{78C97017-6FC3-485B-9764-EAC9E56C1D49}" type="datetimeFigureOut">
               <a:rPr lang="en-US" smtClean="0"/>
-              <a:t>10/24/2018</a:t>
+              <a:t>11/12/2018</a:t>
             </a:fld>
             <a:endParaRPr lang="en-US"/>
           </a:p>
@@ -2856,7 +2856,7 @@
           <a:p>
             <a:fld id="{78C97017-6FC3-485B-9764-EAC9E56C1D49}" type="datetimeFigureOut">
               <a:rPr lang="en-US" smtClean="0"/>
-              <a:t>10/24/2018</a:t>
+              <a:t>11/12/2018</a:t>
             </a:fld>
             <a:endParaRPr lang="en-US"/>
           </a:p>
@@ -3067,7 +3067,7 @@
           <a:p>
             <a:fld id="{78C97017-6FC3-485B-9764-EAC9E56C1D49}" type="datetimeFigureOut">
               <a:rPr lang="en-US" smtClean="0"/>
-              <a:t>10/24/2018</a:t>
+              <a:t>11/12/2018</a:t>
             </a:fld>
             <a:endParaRPr lang="en-US"/>
           </a:p>
@@ -3450,8 +3450,8 @@
         </p:nvSpPr>
         <p:spPr>
           <a:xfrm>
-            <a:off x="304798" y="397568"/>
-            <a:ext cx="8369204" cy="6186023"/>
+            <a:off x="210750" y="397568"/>
+            <a:ext cx="8369204" cy="6460432"/>
           </a:xfrm>
           <a:prstGeom prst="roundRect">
             <a:avLst>
@@ -3581,7 +3581,7 @@
         <p:spPr>
           <a:xfrm>
             <a:off x="1191859" y="1136219"/>
-            <a:ext cx="0" cy="5430459"/>
+            <a:ext cx="0" cy="5721781"/>
           </a:xfrm>
           <a:prstGeom prst="line">
             <a:avLst/>
@@ -3617,8 +3617,8 @@
         </p:nvSpPr>
         <p:spPr>
           <a:xfrm>
-            <a:off x="1116374" y="1486912"/>
-            <a:ext cx="145001" cy="4580657"/>
+            <a:off x="1120201" y="1494482"/>
+            <a:ext cx="145001" cy="5047962"/>
           </a:xfrm>
           <a:prstGeom prst="rect">
             <a:avLst/>
@@ -3664,8 +3664,8 @@
         </p:nvSpPr>
         <p:spPr>
           <a:xfrm>
-            <a:off x="2362200" y="655309"/>
-            <a:ext cx="1219200" cy="467684"/>
+            <a:off x="2326914" y="647520"/>
+            <a:ext cx="1297369" cy="475293"/>
           </a:xfrm>
           <a:prstGeom prst="rect">
             <a:avLst/>
@@ -3705,7 +3705,7 @@
                   <a:schemeClr val="bg1"/>
                 </a:solidFill>
               </a:rPr>
-              <a:t>:Address</a:t>
+              <a:t>:Expense</a:t>
             </a:r>
           </a:p>
           <a:p>
@@ -3716,7 +3716,7 @@
                   <a:schemeClr val="bg1"/>
                 </a:solidFill>
               </a:rPr>
-              <a:t>BookParser</a:t>
+              <a:t>TrackerParser</a:t>
             </a:r>
             <a:endParaRPr lang="en-SG" sz="1600" dirty="0">
               <a:solidFill>
@@ -4002,7 +4002,7 @@
         </p:nvCxnSpPr>
         <p:spPr>
           <a:xfrm>
-            <a:off x="-43543" y="6072947"/>
+            <a:off x="-59557" y="6535762"/>
             <a:ext cx="1196051" cy="0"/>
           </a:xfrm>
           <a:prstGeom prst="straightConnector1">
@@ -4142,9 +4142,9 @@
           <p:nvPr/>
         </p:nvSpPr>
         <p:spPr>
-          <a:xfrm>
-            <a:off x="6404696" y="4457076"/>
-            <a:ext cx="131528" cy="1520383"/>
+          <a:xfrm rot="10800000">
+            <a:off x="6404696" y="4457075"/>
+            <a:ext cx="131528" cy="1943724"/>
           </a:xfrm>
           <a:prstGeom prst="rect">
             <a:avLst/>
@@ -4368,8 +4368,8 @@
         </p:nvCxnSpPr>
         <p:spPr>
           <a:xfrm>
-            <a:off x="1272251" y="5943590"/>
-            <a:ext cx="4995601" cy="0"/>
+            <a:off x="1272251" y="6400800"/>
+            <a:ext cx="5132444" cy="0"/>
           </a:xfrm>
           <a:prstGeom prst="straightConnector1">
             <a:avLst/>
@@ -4474,7 +4474,7 @@
         </p:nvSpPr>
         <p:spPr>
           <a:xfrm>
-            <a:off x="3352800" y="1981200"/>
+            <a:off x="3404498" y="2339711"/>
             <a:ext cx="1042552" cy="184666"/>
           </a:xfrm>
           <a:prstGeom prst="rect">
@@ -4609,7 +4609,7 @@
         </p:nvSpPr>
         <p:spPr>
           <a:xfrm>
-            <a:off x="251640" y="5820235"/>
+            <a:off x="235626" y="6283050"/>
             <a:ext cx="762000" cy="215444"/>
           </a:xfrm>
           <a:prstGeom prst="rect">
@@ -4717,7 +4717,7 @@
         <p:spPr>
           <a:xfrm>
             <a:off x="7678269" y="6119396"/>
-            <a:ext cx="152400" cy="171376"/>
+            <a:ext cx="152400" cy="190660"/>
           </a:xfrm>
           <a:prstGeom prst="rect">
             <a:avLst/>
@@ -4803,8 +4803,8 @@
         </p:nvSpPr>
         <p:spPr>
           <a:xfrm>
-            <a:off x="3850983" y="1405841"/>
-            <a:ext cx="1778201" cy="432035"/>
+            <a:off x="3858644" y="1647745"/>
+            <a:ext cx="1851868" cy="432035"/>
           </a:xfrm>
           <a:prstGeom prst="rect">
             <a:avLst/>
@@ -4839,20 +4839,12 @@
           <a:p>
             <a:pPr algn="ctr"/>
             <a:r>
-              <a:rPr lang="en-US" sz="1600" dirty="0">
-                <a:solidFill>
-                  <a:schemeClr val="bg1"/>
-                </a:solidFill>
-              </a:rPr>
-              <a:t>:</a:t>
-            </a:r>
-            <a:r>
               <a:rPr lang="en-US" sz="1600" dirty="0" err="1">
                 <a:solidFill>
                   <a:schemeClr val="bg1"/>
                 </a:solidFill>
               </a:rPr>
-              <a:t>SetPassword</a:t>
+              <a:t>parser:SetPassword</a:t>
             </a:r>
             <a:endParaRPr lang="en-US" sz="1600" dirty="0">
               <a:solidFill>
@@ -4886,7 +4878,7 @@
         </p:nvCxnSpPr>
         <p:spPr>
           <a:xfrm>
-            <a:off x="3081591" y="2209801"/>
+            <a:off x="3070376" y="2323274"/>
             <a:ext cx="1597356" cy="1"/>
           </a:xfrm>
           <a:prstGeom prst="straightConnector1">
@@ -4920,7 +4912,7 @@
         </p:nvSpPr>
         <p:spPr>
           <a:xfrm>
-            <a:off x="4678949" y="1828802"/>
+            <a:off x="4653231" y="2095125"/>
             <a:ext cx="205843" cy="123165"/>
           </a:xfrm>
           <a:prstGeom prst="rect">
@@ -4970,7 +4962,7 @@
         </p:nvCxnSpPr>
         <p:spPr>
           <a:xfrm>
-            <a:off x="4781871" y="1828802"/>
+            <a:off x="4756153" y="2095125"/>
             <a:ext cx="6319" cy="1780892"/>
           </a:xfrm>
           <a:prstGeom prst="line">
@@ -5007,8 +4999,8 @@
         </p:nvSpPr>
         <p:spPr>
           <a:xfrm>
-            <a:off x="4703110" y="2176025"/>
-            <a:ext cx="170590" cy="1169004"/>
+            <a:off x="4664015" y="2314773"/>
+            <a:ext cx="195059" cy="1041009"/>
           </a:xfrm>
           <a:prstGeom prst="rect">
             <a:avLst/>
@@ -5126,7 +5118,7 @@
         </p:nvCxnSpPr>
         <p:spPr>
           <a:xfrm>
-            <a:off x="3078519" y="1951965"/>
+            <a:off x="3058430" y="2212056"/>
             <a:ext cx="1600428" cy="0"/>
           </a:xfrm>
           <a:prstGeom prst="straightConnector1">
@@ -5164,7 +5156,7 @@
         </p:nvSpPr>
         <p:spPr>
           <a:xfrm>
-            <a:off x="4652668" y="3557963"/>
+            <a:off x="4631150" y="3860675"/>
             <a:ext cx="258404" cy="261610"/>
           </a:xfrm>
           <a:prstGeom prst="rect">
@@ -5203,7 +5195,7 @@
         </p:nvSpPr>
         <p:spPr>
           <a:xfrm>
-            <a:off x="5702853" y="2401847"/>
+            <a:off x="5702385" y="2603347"/>
             <a:ext cx="1536147" cy="461538"/>
           </a:xfrm>
           <a:prstGeom prst="rect">
@@ -5283,7 +5275,7 @@
         </p:nvSpPr>
         <p:spPr>
           <a:xfrm>
-            <a:off x="6391939" y="3053187"/>
+            <a:off x="6391939" y="3012878"/>
             <a:ext cx="161626" cy="212934"/>
           </a:xfrm>
           <a:prstGeom prst="rect">
@@ -5338,7 +5330,7 @@
         </p:nvCxnSpPr>
         <p:spPr>
           <a:xfrm flipV="1">
-            <a:off x="4678947" y="2394987"/>
+            <a:off x="4658858" y="2595234"/>
             <a:ext cx="1034729" cy="1"/>
           </a:xfrm>
           <a:prstGeom prst="straightConnector1">
@@ -5377,13 +5369,14 @@
           </p:cNvPr>
           <p:cNvCxnSpPr>
             <a:cxnSpLocks/>
+            <a:endCxn id="61" idx="2"/>
           </p:cNvCxnSpPr>
           <p:nvPr/>
         </p:nvCxnSpPr>
         <p:spPr>
           <a:xfrm>
-            <a:off x="4873700" y="3232252"/>
-            <a:ext cx="1431936" cy="0"/>
+            <a:off x="4873700" y="3225812"/>
+            <a:ext cx="1599052" cy="0"/>
           </a:xfrm>
           <a:prstGeom prst="straightConnector1">
             <a:avLst/>
@@ -5470,7 +5463,7 @@
         </p:nvSpPr>
         <p:spPr>
           <a:xfrm>
-            <a:off x="4891112" y="2039667"/>
+            <a:off x="4904631" y="2232962"/>
             <a:ext cx="1475523" cy="276999"/>
           </a:xfrm>
           <a:prstGeom prst="rect">
@@ -5498,7 +5491,7 @@
             <a:pPr algn="l"/>
             <a:r>
               <a:rPr lang="en-US" sz="900" dirty="0" err="1"/>
-              <a:t>SignUpCommand</a:t>
+              <a:t>SetPasswordCommand</a:t>
             </a:r>
             <a:endParaRPr lang="en-US" sz="900" dirty="0"/>
           </a:p>
@@ -5544,7 +5537,7 @@
         <p:spPr>
           <a:xfrm>
             <a:off x="6472752" y="2897254"/>
-            <a:ext cx="0" cy="3461215"/>
+            <a:ext cx="0" cy="3732146"/>
           </a:xfrm>
           <a:prstGeom prst="line">
             <a:avLst/>
@@ -5727,7 +5720,7 @@
         <p:spPr>
           <a:xfrm>
             <a:off x="7754469" y="6310574"/>
-            <a:ext cx="0" cy="256104"/>
+            <a:ext cx="0" cy="547426"/>
           </a:xfrm>
           <a:prstGeom prst="line">
             <a:avLst/>
@@ -5815,7 +5808,7 @@
         </p:nvSpPr>
         <p:spPr>
           <a:xfrm>
-            <a:off x="6341258" y="6316663"/>
+            <a:off x="6341257" y="6549632"/>
             <a:ext cx="258404" cy="261610"/>
           </a:xfrm>
           <a:prstGeom prst="rect">
@@ -6259,6 +6252,103 @@
                 </a:solidFill>
               </a:rPr>
               <a:t>]</a:t>
+            </a:r>
+          </a:p>
+        </p:txBody>
+      </p:sp>
+      <p:sp>
+        <p:nvSpPr>
+          <p:cNvPr id="85" name="TextBox 84">
+            <a:extLst>
+              <a:ext uri="{FF2B5EF4-FFF2-40B4-BE49-F238E27FC236}">
+                <a16:creationId xmlns:a16="http://schemas.microsoft.com/office/drawing/2014/main" id="{349773BA-670B-40FC-A032-C55517F3BA3F}"/>
+              </a:ext>
+            </a:extLst>
+          </p:cNvPr>
+          <p:cNvSpPr txBox="1"/>
+          <p:nvPr/>
+        </p:nvSpPr>
+        <p:spPr>
+          <a:xfrm>
+            <a:off x="3165645" y="1443108"/>
+            <a:ext cx="1475523" cy="138499"/>
+          </a:xfrm>
+          <a:prstGeom prst="rect">
+            <a:avLst/>
+          </a:prstGeom>
+          <a:noFill/>
+        </p:spPr>
+        <p:txBody>
+          <a:bodyPr wrap="square" lIns="0" tIns="0" rIns="0" bIns="0" rtlCol="0">
+            <a:spAutoFit/>
+          </a:bodyPr>
+          <a:lstStyle>
+            <a:defPPr>
+              <a:defRPr lang="en-US"/>
+            </a:defPPr>
+            <a:lvl1pPr algn="r">
+              <a:defRPr sz="1400">
+                <a:solidFill>
+                  <a:srgbClr val="0070C0"/>
+                </a:solidFill>
+              </a:defRPr>
+            </a:lvl1pPr>
+          </a:lstStyle>
+          <a:p>
+            <a:pPr algn="l"/>
+            <a:r>
+              <a:rPr lang="en-US" sz="900" dirty="0" err="1"/>
+              <a:t>SetPasswordParser</a:t>
+            </a:r>
+            <a:r>
+              <a:rPr lang="en-US" sz="900" dirty="0"/>
+              <a:t>()</a:t>
+            </a:r>
+          </a:p>
+        </p:txBody>
+      </p:sp>
+      <p:sp>
+        <p:nvSpPr>
+          <p:cNvPr id="87" name="TextBox 86">
+            <a:extLst>
+              <a:ext uri="{FF2B5EF4-FFF2-40B4-BE49-F238E27FC236}">
+                <a16:creationId xmlns:a16="http://schemas.microsoft.com/office/drawing/2014/main" id="{4C84C452-C8E1-4B89-AB5C-CB57EC875220}"/>
+              </a:ext>
+            </a:extLst>
+          </p:cNvPr>
+          <p:cNvSpPr txBox="1"/>
+          <p:nvPr/>
+        </p:nvSpPr>
+        <p:spPr>
+          <a:xfrm>
+            <a:off x="2731462" y="1982863"/>
+            <a:ext cx="1042552" cy="184666"/>
+          </a:xfrm>
+          <a:prstGeom prst="rect">
+            <a:avLst/>
+          </a:prstGeom>
+          <a:noFill/>
+        </p:spPr>
+        <p:txBody>
+          <a:bodyPr wrap="square" lIns="0" tIns="0" rIns="0" bIns="0" rtlCol="0">
+            <a:spAutoFit/>
+          </a:bodyPr>
+          <a:lstStyle>
+            <a:defPPr>
+              <a:defRPr lang="en-US"/>
+            </a:defPPr>
+            <a:lvl1pPr algn="r">
+              <a:defRPr sz="1400">
+                <a:solidFill>
+                  <a:srgbClr val="0070C0"/>
+                </a:solidFill>
+              </a:defRPr>
+            </a:lvl1pPr>
+          </a:lstStyle>
+          <a:p>
+            <a:r>
+              <a:rPr lang="en-US" sz="1200" dirty="0"/>
+              <a:t>parser</a:t>
             </a:r>
           </a:p>
         </p:txBody>
